--- a/presentazione_bibliosoft.pptx
+++ b/presentazione_bibliosoft.pptx
@@ -8439,14 +8439,14 @@
               <a:buNone/>
             </a:pPr>
             <a:r>
-              <a:rPr lang="en-US" sz="2800" dirty="0" err="1">
+              <a:rPr lang="en-US" sz="2800" b="1" dirty="0" err="1">
                 <a:solidFill>
                   <a:schemeClr val="bg1"/>
                 </a:solidFill>
               </a:rPr>
               <a:t>Archivio</a:t>
             </a:r>
-            <a:endParaRPr lang="en-US" sz="2200" dirty="0">
+            <a:endParaRPr lang="en-US" sz="2200" b="1" dirty="0">
               <a:solidFill>
                 <a:schemeClr val="bg1"/>
               </a:solidFill>
@@ -9681,7 +9681,7 @@
         </p:nvSpPr>
         <p:spPr>
           <a:xfrm>
-            <a:off x="0" y="6629400"/>
+            <a:off x="9832" y="6639232"/>
             <a:ext cx="12191695" cy="228600"/>
           </a:xfrm>
           <a:prstGeom prst="rect">
@@ -9750,45 +9750,36 @@
           </a:p>
         </p:txBody>
       </p:sp>
-      <p:sp>
-        <p:nvSpPr>
-          <p:cNvPr id="8" name="CasellaDiTesto 7">
+      <p:pic>
+        <p:nvPicPr>
+          <p:cNvPr id="24" name="Immagine 23" descr="Immagine che contiene testo, schermata, schermo, Carattere&#10;&#10;Il contenuto generato dall'IA potrebbe non essere corretto.">
             <a:extLst>
               <a:ext uri="{FF2B5EF4-FFF2-40B4-BE49-F238E27FC236}">
-                <a16:creationId xmlns:a16="http://schemas.microsoft.com/office/drawing/2014/main" id="{675B44B6-8262-3EB4-3F60-7C8CE24765C4}"/>
+                <a16:creationId xmlns:a16="http://schemas.microsoft.com/office/drawing/2014/main" id="{4503501A-9C79-BC4F-6042-8020D40961D7}"/>
               </a:ext>
             </a:extLst>
           </p:cNvPr>
-          <p:cNvSpPr txBox="1"/>
-          <p:nvPr/>
-        </p:nvSpPr>
-        <p:spPr>
-          <a:xfrm>
-            <a:off x="2638167" y="3681460"/>
-            <a:ext cx="4096265" cy="369332"/>
-          </a:xfrm>
-          <a:prstGeom prst="rect">
-            <a:avLst/>
-          </a:prstGeom>
-          <a:noFill/>
-        </p:spPr>
-        <p:txBody>
-          <a:bodyPr wrap="square" rtlCol="0">
-            <a:spAutoFit/>
-          </a:bodyPr>
-          <a:lstStyle/>
-          <a:p>
-            <a:r>
-              <a:rPr lang="it-IT" dirty="0">
-                <a:solidFill>
-                  <a:schemeClr val="bg1"/>
-                </a:solidFill>
-              </a:rPr>
-              <a:t>FAI FARE A GABRIELE LA COSA</a:t>
-            </a:r>
-          </a:p>
-        </p:txBody>
-      </p:sp>
+          <p:cNvPicPr>
+            <a:picLocks noChangeAspect="1"/>
+          </p:cNvPicPr>
+          <p:nvPr/>
+        </p:nvPicPr>
+        <p:blipFill>
+          <a:blip r:embed="rId4"/>
+          <a:stretch>
+            <a:fillRect/>
+          </a:stretch>
+        </p:blipFill>
+        <p:spPr>
+          <a:xfrm>
+            <a:off x="823264" y="1716682"/>
+            <a:ext cx="7020585" cy="4592452"/>
+          </a:xfrm>
+          <a:prstGeom prst="rect">
+            <a:avLst/>
+          </a:prstGeom>
+        </p:spPr>
+      </p:pic>
     </p:spTree>
     <p:extLst>
       <p:ext uri="{BB962C8B-B14F-4D97-AF65-F5344CB8AC3E}">
@@ -9905,7 +9896,7 @@
               <a:buNone/>
             </a:pPr>
             <a:r>
-              <a:rPr lang="en-US" sz="2200" dirty="0">
+              <a:rPr lang="en-US" sz="2800" b="1" dirty="0">
                 <a:solidFill>
                   <a:schemeClr val="bg1"/>
                 </a:solidFill>
@@ -9913,6 +9904,12 @@
               </a:rPr>
               <a:t>Servizi</a:t>
             </a:r>
+            <a:endParaRPr lang="en-US" sz="2200" b="1" dirty="0">
+              <a:solidFill>
+                <a:schemeClr val="bg1"/>
+              </a:solidFill>
+              <a:latin typeface="Aptos Display" panose="020B0004020202020204" pitchFamily="34" charset="0"/>
+            </a:endParaRPr>
           </a:p>
         </p:txBody>
       </p:sp>
@@ -11049,10 +11046,10 @@
       </p:sp>
       <p:pic>
         <p:nvPicPr>
-          <p:cNvPr id="23" name="Immagine 22" descr="Immagine che contiene testo, schermata, numero&#10;&#10;Il contenuto generato dall'IA potrebbe non essere corretto.">
+          <p:cNvPr id="24" name="Immagine 23" descr="Immagine che contiene testo, linea, Carattere, diagramma&#10;&#10;Il contenuto generato dall'IA potrebbe non essere corretto.">
             <a:extLst>
               <a:ext uri="{FF2B5EF4-FFF2-40B4-BE49-F238E27FC236}">
-                <a16:creationId xmlns:a16="http://schemas.microsoft.com/office/drawing/2014/main" id="{FF88A2AA-5CA4-ABAF-8E08-3B936DF9CFE2}"/>
+                <a16:creationId xmlns:a16="http://schemas.microsoft.com/office/drawing/2014/main" id="{C25C7F02-ECC3-F579-80E1-52EA3337A791}"/>
               </a:ext>
             </a:extLst>
           </p:cNvPr>
@@ -11069,8 +11066,8 @@
         </p:blipFill>
         <p:spPr>
           <a:xfrm>
-            <a:off x="573616" y="2432303"/>
-            <a:ext cx="7406640" cy="2727383"/>
+            <a:off x="578240" y="2387945"/>
+            <a:ext cx="7395077" cy="2713046"/>
           </a:xfrm>
           <a:prstGeom prst="rect">
             <a:avLst/>
@@ -11193,7 +11190,7 @@
               <a:buNone/>
             </a:pPr>
             <a:r>
-              <a:rPr lang="en-US" sz="2200" dirty="0">
+              <a:rPr lang="en-US" sz="2800" b="1" dirty="0">
                 <a:solidFill>
                   <a:schemeClr val="bg1"/>
                 </a:solidFill>
@@ -11201,6 +11198,12 @@
               </a:rPr>
               <a:t>Controller</a:t>
             </a:r>
+            <a:endParaRPr lang="en-US" sz="2200" b="1" dirty="0">
+              <a:solidFill>
+                <a:schemeClr val="bg1"/>
+              </a:solidFill>
+              <a:latin typeface="Aptos Display" panose="020B0004020202020204" pitchFamily="34" charset="0"/>
+            </a:endParaRPr>
           </a:p>
         </p:txBody>
       </p:sp>
@@ -12495,45 +12498,36 @@
           </a:p>
         </p:txBody>
       </p:sp>
-      <p:sp>
-        <p:nvSpPr>
-          <p:cNvPr id="8" name="CasellaDiTesto 7">
+      <p:pic>
+        <p:nvPicPr>
+          <p:cNvPr id="26" name="Immagine 25" descr="Immagine che contiene testo, schermata, diagramma, Parallelo&#10;&#10;Il contenuto generato dall'IA potrebbe non essere corretto.">
             <a:extLst>
               <a:ext uri="{FF2B5EF4-FFF2-40B4-BE49-F238E27FC236}">
-                <a16:creationId xmlns:a16="http://schemas.microsoft.com/office/drawing/2014/main" id="{95E390DE-0CFE-86AF-33CA-32D0374CBC4B}"/>
+                <a16:creationId xmlns:a16="http://schemas.microsoft.com/office/drawing/2014/main" id="{817502CE-8719-AFEC-EAA0-9E64C91D9534}"/>
               </a:ext>
             </a:extLst>
           </p:cNvPr>
-          <p:cNvSpPr txBox="1"/>
-          <p:nvPr/>
-        </p:nvSpPr>
-        <p:spPr>
-          <a:xfrm>
-            <a:off x="1421027" y="2601097"/>
-            <a:ext cx="4405184" cy="369332"/>
-          </a:xfrm>
-          <a:prstGeom prst="rect">
-            <a:avLst/>
-          </a:prstGeom>
-          <a:noFill/>
-        </p:spPr>
-        <p:txBody>
-          <a:bodyPr wrap="square" rtlCol="0">
-            <a:spAutoFit/>
-          </a:bodyPr>
-          <a:lstStyle/>
-          <a:p>
-            <a:r>
-              <a:rPr lang="it-IT" dirty="0">
-                <a:solidFill>
-                  <a:schemeClr val="bg1"/>
-                </a:solidFill>
-              </a:rPr>
-              <a:t>Da inserire con solo i controller</a:t>
-            </a:r>
-          </a:p>
-        </p:txBody>
-      </p:sp>
+          <p:cNvPicPr>
+            <a:picLocks noChangeAspect="1"/>
+          </p:cNvPicPr>
+          <p:nvPr/>
+        </p:nvPicPr>
+        <p:blipFill>
+          <a:blip r:embed="rId4"/>
+          <a:stretch>
+            <a:fillRect/>
+          </a:stretch>
+        </p:blipFill>
+        <p:spPr>
+          <a:xfrm>
+            <a:off x="1612490" y="1710420"/>
+            <a:ext cx="5437239" cy="4891548"/>
+          </a:xfrm>
+          <a:prstGeom prst="rect">
+            <a:avLst/>
+          </a:prstGeom>
+        </p:spPr>
+      </p:pic>
     </p:spTree>
     <p:extLst>
       <p:ext uri="{BB962C8B-B14F-4D97-AF65-F5344CB8AC3E}">

--- a/presentazione_bibliosoft.pptx
+++ b/presentazione_bibliosoft.pptx
@@ -5965,7 +5965,7 @@
         </p:nvSpPr>
         <p:spPr>
           <a:xfrm>
-            <a:off x="548639" y="813816"/>
+            <a:off x="548639" y="823648"/>
             <a:ext cx="11094415" cy="5788152"/>
           </a:xfrm>
           <a:prstGeom prst="roundRect">
@@ -7369,7 +7369,7 @@
                 <a:latin typeface="Aptos" panose="020B0004020202020204" pitchFamily="34" charset="0"/>
                 <a:cs typeface="Times New Roman" panose="02020603050405020304" pitchFamily="18" charset="0"/>
               </a:rPr>
-              <a:t>l’accoppiamento più significativo si concentra nel </a:t>
+              <a:t>L’accoppiamento più significativo si concentra nel </a:t>
             </a:r>
             <a:r>
               <a:rPr lang="it-IT" sz="1100" dirty="0" err="1">
@@ -7813,7 +7813,29 @@
                 <a:ea typeface="Aptos" pitchFamily="34" charset="-122"/>
                 <a:cs typeface="Aptos" pitchFamily="34" charset="-120"/>
               </a:rPr>
-              <a:t>Copie totali / disponibili → evita prestiti oltre disponibilità.</a:t>
+              <a:t>Copie totali / </a:t>
+            </a:r>
+            <a:r>
+              <a:rPr lang="en-US" sz="1200" dirty="0" err="1">
+                <a:solidFill>
+                  <a:srgbClr val="E5E7EB"/>
+                </a:solidFill>
+                <a:latin typeface="Aptos" pitchFamily="34" charset="0"/>
+                <a:ea typeface="Aptos" pitchFamily="34" charset="-122"/>
+                <a:cs typeface="Aptos" pitchFamily="34" charset="-120"/>
+              </a:rPr>
+              <a:t>disponibili</a:t>
+            </a:r>
+            <a:r>
+              <a:rPr lang="en-US" sz="1200" dirty="0">
+                <a:solidFill>
+                  <a:srgbClr val="E5E7EB"/>
+                </a:solidFill>
+                <a:latin typeface="Aptos" pitchFamily="34" charset="0"/>
+                <a:ea typeface="Aptos" pitchFamily="34" charset="-122"/>
+                <a:cs typeface="Aptos" pitchFamily="34" charset="-120"/>
+              </a:rPr>
+              <a:t> ed evita prestiti oltre disponibilità.</a:t>
             </a:r>
             <a:endParaRPr lang="en-US" sz="1200" dirty="0"/>
           </a:p>
@@ -9329,7 +9351,7 @@
                 <a:latin typeface="Aptos" panose="020B0004020202020204" pitchFamily="34" charset="0"/>
                 <a:cs typeface="Times New Roman" panose="02020603050405020304" pitchFamily="18" charset="0"/>
               </a:rPr>
-              <a:t> Java per evitare duplicazione di codice, quindi si usa un’unica logica per la gestione delle liste dei libri, utenti e prestiti.</a:t>
+              <a:t> Java per evitare duplicazione di codice, quindi si usa un’unica logica per la gestione di libri, utenti e prestiti.</a:t>
             </a:r>
           </a:p>
           <a:p>
@@ -9562,7 +9584,27 @@
                 <a:latin typeface="Aptos" panose="020B0004020202020204" pitchFamily="34" charset="0"/>
                 <a:cs typeface="Aparajita" panose="02020603050405020304" pitchFamily="18" charset="0"/>
               </a:rPr>
-              <a:t> base </a:t>
+              <a:t> </a:t>
+            </a:r>
+            <a:r>
+              <a:rPr lang="en-US" sz="1200" dirty="0" err="1">
+                <a:solidFill>
+                  <a:schemeClr val="bg1"/>
+                </a:solidFill>
+                <a:latin typeface="Aptos" panose="020B0004020202020204" pitchFamily="34" charset="0"/>
+                <a:cs typeface="Aparajita" panose="02020603050405020304" pitchFamily="18" charset="0"/>
+              </a:rPr>
+              <a:t>astratti</a:t>
+            </a:r>
+            <a:r>
+              <a:rPr lang="en-US" sz="1200" dirty="0">
+                <a:solidFill>
+                  <a:schemeClr val="bg1"/>
+                </a:solidFill>
+                <a:latin typeface="Aptos" panose="020B0004020202020204" pitchFamily="34" charset="0"/>
+                <a:cs typeface="Aparajita" panose="02020603050405020304" pitchFamily="18" charset="0"/>
+              </a:rPr>
+              <a:t> </a:t>
             </a:r>
             <a:r>
               <a:rPr lang="en-US" sz="1200" dirty="0" err="1">
@@ -10663,7 +10705,25 @@
                 </a:solidFill>
                 <a:latin typeface="Aptos" panose="020B0004020202020204" pitchFamily="34" charset="0"/>
               </a:rPr>
-              <a:t> Vedere </a:t>
+              <a:t> </a:t>
+            </a:r>
+            <a:r>
+              <a:rPr lang="en-US" sz="1200" dirty="0" err="1">
+                <a:solidFill>
+                  <a:schemeClr val="bg1"/>
+                </a:solidFill>
+                <a:latin typeface="Aptos" panose="020B0004020202020204" pitchFamily="34" charset="0"/>
+              </a:rPr>
+              <a:t>vedere</a:t>
+            </a:r>
+            <a:r>
+              <a:rPr lang="en-US" sz="1200" dirty="0">
+                <a:solidFill>
+                  <a:schemeClr val="bg1"/>
+                </a:solidFill>
+                <a:latin typeface="Aptos" panose="020B0004020202020204" pitchFamily="34" charset="0"/>
+              </a:rPr>
+              <a:t> </a:t>
             </a:r>
             <a:r>
               <a:rPr lang="en-US" sz="1200" dirty="0" err="1">
@@ -11279,7 +11339,7 @@
                 <a:ea typeface="Aptos" pitchFamily="34" charset="-122"/>
                 <a:cs typeface="Aptos" pitchFamily="34" charset="-120"/>
               </a:rPr>
-              <a:t>ControllerGenerico</a:t>
+              <a:t>ControllerSecodari</a:t>
             </a:r>
             <a:r>
               <a:rPr lang="en-US" sz="1200" dirty="0">
@@ -11782,7 +11842,7 @@
                 <a:ea typeface="Aptos Display" pitchFamily="34" charset="-122"/>
                 <a:cs typeface="Aptos Display" pitchFamily="34" charset="-120"/>
               </a:rPr>
-              <a:t>ControllerGenerico</a:t>
+              <a:t>ControllerSecondari</a:t>
             </a:r>
             <a:endParaRPr lang="en-US" sz="1600" dirty="0"/>
           </a:p>
@@ -12500,10 +12560,10 @@
       </p:sp>
       <p:pic>
         <p:nvPicPr>
-          <p:cNvPr id="26" name="Immagine 25" descr="Immagine che contiene testo, schermata, diagramma, Parallelo&#10;&#10;Il contenuto generato dall'IA potrebbe non essere corretto.">
+          <p:cNvPr id="29" name="Immagine 28" descr="Immagine che contiene testo, schermata, numero, diagramma&#10;&#10;Il contenuto generato dall'IA potrebbe non essere corretto.">
             <a:extLst>
               <a:ext uri="{FF2B5EF4-FFF2-40B4-BE49-F238E27FC236}">
-                <a16:creationId xmlns:a16="http://schemas.microsoft.com/office/drawing/2014/main" id="{817502CE-8719-AFEC-EAA0-9E64C91D9534}"/>
+                <a16:creationId xmlns:a16="http://schemas.microsoft.com/office/drawing/2014/main" id="{D8E857E2-A7E9-7D83-3564-D2FAE3BD5BC9}"/>
               </a:ext>
             </a:extLst>
           </p:cNvPr>
@@ -12520,8 +12580,8 @@
         </p:blipFill>
         <p:spPr>
           <a:xfrm>
-            <a:off x="1612490" y="1710420"/>
-            <a:ext cx="5437239" cy="4891548"/>
+            <a:off x="548640" y="2310581"/>
+            <a:ext cx="7360919" cy="3687883"/>
           </a:xfrm>
           <a:prstGeom prst="rect">
             <a:avLst/>

--- a/presentazione_bibliosoft.pptx
+++ b/presentazione_bibliosoft.pptx
@@ -6313,7 +6313,29 @@
                 <a:ea typeface="Aptos" pitchFamily="34" charset="-122"/>
                 <a:cs typeface="Aptos" pitchFamily="34" charset="-120"/>
               </a:rPr>
-              <a:t>Gestiscono eventi e validazione input</a:t>
+              <a:t>Gestiscono </a:t>
+            </a:r>
+            <a:r>
+              <a:rPr lang="en-US" sz="1100" dirty="0" err="1">
+                <a:solidFill>
+                  <a:srgbClr val="94A3B8"/>
+                </a:solidFill>
+                <a:latin typeface="Aptos" pitchFamily="34" charset="0"/>
+                <a:ea typeface="Aptos" pitchFamily="34" charset="-122"/>
+                <a:cs typeface="Aptos" pitchFamily="34" charset="-120"/>
+              </a:rPr>
+              <a:t>eventi</a:t>
+            </a:r>
+            <a:r>
+              <a:rPr lang="en-US" sz="1100" dirty="0">
+                <a:solidFill>
+                  <a:srgbClr val="94A3B8"/>
+                </a:solidFill>
+                <a:latin typeface="Aptos" pitchFamily="34" charset="0"/>
+                <a:ea typeface="Aptos" pitchFamily="34" charset="-122"/>
+                <a:cs typeface="Aptos" pitchFamily="34" charset="-120"/>
+              </a:rPr>
+              <a:t> </a:t>
             </a:r>
             <a:endParaRPr lang="en-US" sz="1100" dirty="0"/>
           </a:p>
